--- a/lectures/TAC-Session9.pptx
+++ b/lectures/TAC-Session9.pptx
@@ -141,7 +141,7 @@
 <p1510:revInfo xmlns:a="http://schemas.openxmlformats.org/drawingml/2006/main" xmlns:r="http://schemas.openxmlformats.org/officeDocument/2006/relationships" xmlns:p1510="http://schemas.microsoft.com/office/powerpoint/2015/10/main">
   <p1510:revLst>
     <p1510:client id="{649B96B3-D4DD-3E02-F765-40548AEEC67F}" v="16" dt="2024-10-14T18:02:50.988"/>
-    <p1510:client id="{A1EBA676-7181-A461-1122-F0207B347368}" v="338" dt="2024-10-15T20:40:49.249"/>
+    <p1510:client id="{A1EBA676-7181-A461-1122-F0207B347368}" v="437" dt="2024-10-15T20:50:25.710"/>
     <p1510:client id="{DE801ED3-9AE3-E471-9728-27D65963EF78}" v="1191" dt="2024-10-14T20:58:46.968"/>
   </p1510:revLst>
 </p1510:revInfo>
@@ -3915,7 +3915,7 @@
                 <a:ea typeface="Calibri"/>
                 <a:cs typeface="Calibri"/>
               </a:rPr>
-              <a:t>Scrapping</a:t>
+              <a:t>Scraping</a:t>
             </a:r>
           </a:p>
         </p:txBody>
@@ -4263,7 +4263,7 @@
                 <a:ea typeface="+mn-lt"/>
                 <a:cs typeface="+mn-lt"/>
               </a:rPr>
-              <a:t>Scrapping</a:t>
+              <a:t>Scraping</a:t>
             </a:r>
             <a:endParaRPr lang="pt-PT" dirty="0" err="1"/>
           </a:p>
@@ -5503,7 +5503,7 @@
                 <a:ea typeface="+mn-lt"/>
                 <a:cs typeface="+mn-lt"/>
               </a:rPr>
-              <a:t>Scrapping</a:t>
+              <a:t>Scraping</a:t>
             </a:r>
             <a:endParaRPr lang="pt-PT" dirty="0" err="1"/>
           </a:p>
@@ -6423,7 +6423,7 @@
                 <a:latin typeface="Cambria"/>
                 <a:ea typeface="Cambria"/>
               </a:rPr>
-              <a:t>Scrapping</a:t>
+              <a:t>Scraping</a:t>
             </a:r>
           </a:p>
         </p:txBody>
@@ -6700,7 +6700,7 @@
                 <a:ea typeface="+mn-lt"/>
                 <a:cs typeface="+mn-lt"/>
               </a:rPr>
-              <a:t>Scrapping</a:t>
+              <a:t>Scraping</a:t>
             </a:r>
             <a:endParaRPr lang="pt-PT" dirty="0" err="1"/>
           </a:p>
@@ -7066,7 +7066,7 @@
                 <a:ea typeface="+mn-lt"/>
                 <a:cs typeface="+mn-lt"/>
               </a:rPr>
-              <a:t>Scapping</a:t>
+              <a:t>Scaping</a:t>
             </a:r>
             <a:r>
               <a:rPr lang="pt-PT" sz="3000" dirty="0">
@@ -7843,7 +7843,7 @@
                 <a:latin typeface="Cambria"/>
                 <a:ea typeface="Cambria"/>
               </a:rPr>
-              <a:t>Scrapping</a:t>
+              <a:t>Scraping</a:t>
             </a:r>
             <a:r>
               <a:rPr lang="pt-PT" sz="3600" b="1" dirty="0">
@@ -7905,6 +7905,13 @@
               </a:rPr>
               <a:t>Started</a:t>
             </a:r>
+            <a:endParaRPr lang="pt-PT" sz="3600" b="1" dirty="0">
+              <a:solidFill>
+                <a:srgbClr val="092953"/>
+              </a:solidFill>
+              <a:latin typeface="Cambria"/>
+              <a:ea typeface="Cambria"/>
+            </a:endParaRPr>
           </a:p>
         </p:txBody>
       </p:sp>
@@ -8180,7 +8187,7 @@
                 <a:ea typeface="+mn-lt"/>
                 <a:cs typeface="+mn-lt"/>
               </a:rPr>
-              <a:t>Scrapping</a:t>
+              <a:t>Scraping</a:t>
             </a:r>
             <a:endParaRPr lang="pt-PT" dirty="0" err="1"/>
           </a:p>
@@ -9769,7 +9776,7 @@
                 <a:latin typeface="Cambria"/>
                 <a:ea typeface="Cambria"/>
               </a:rPr>
-              <a:t>Scrapping</a:t>
+              <a:t>Scraping</a:t>
             </a:r>
             <a:r>
               <a:rPr lang="pt-PT" sz="3600" b="1" dirty="0">
@@ -9811,6 +9818,13 @@
               </a:rPr>
               <a:t>Crawling</a:t>
             </a:r>
+            <a:endParaRPr lang="pt-PT" sz="3600" b="1" dirty="0">
+              <a:solidFill>
+                <a:srgbClr val="092953"/>
+              </a:solidFill>
+              <a:latin typeface="Cambria"/>
+              <a:ea typeface="Cambria"/>
+            </a:endParaRPr>
           </a:p>
         </p:txBody>
       </p:sp>
@@ -10086,7 +10100,7 @@
                 <a:ea typeface="+mn-lt"/>
                 <a:cs typeface="+mn-lt"/>
               </a:rPr>
-              <a:t>Scrapping</a:t>
+              <a:t>Scraping</a:t>
             </a:r>
             <a:endParaRPr lang="pt-PT" dirty="0" err="1"/>
           </a:p>
@@ -11523,7 +11537,7 @@
                 <a:ea typeface="+mn-lt"/>
                 <a:cs typeface="+mn-lt"/>
               </a:rPr>
-              <a:t>Scrapping</a:t>
+              <a:t>Scraping</a:t>
             </a:r>
             <a:endParaRPr lang="pt-PT" dirty="0" err="1"/>
           </a:p>
@@ -12684,7 +12698,7 @@
                 <a:ea typeface="+mn-lt"/>
                 <a:cs typeface="+mn-lt"/>
               </a:rPr>
-              <a:t>Scrapping</a:t>
+              <a:t>Scraping</a:t>
             </a:r>
             <a:endParaRPr lang="pt-PT" dirty="0" err="1"/>
           </a:p>
@@ -14154,7 +14168,7 @@
                 <a:ea typeface="+mn-lt"/>
                 <a:cs typeface="+mn-lt"/>
               </a:rPr>
-              <a:t>Scrapping</a:t>
+              <a:t>Scraping</a:t>
             </a:r>
             <a:endParaRPr lang="pt-PT" dirty="0" err="1"/>
           </a:p>
@@ -15274,7 +15288,7 @@
                 <a:ea typeface="+mn-lt"/>
                 <a:cs typeface="+mn-lt"/>
               </a:rPr>
-              <a:t>Scrapping</a:t>
+              <a:t>Scraping</a:t>
             </a:r>
             <a:endParaRPr lang="pt-PT" dirty="0" err="1"/>
           </a:p>
@@ -16527,7 +16541,7 @@
                 <a:ea typeface="+mn-lt"/>
                 <a:cs typeface="+mn-lt"/>
               </a:rPr>
-              <a:t>Scrapping</a:t>
+              <a:t>Scraping</a:t>
             </a:r>
             <a:endParaRPr lang="pt-PT" dirty="0" err="1"/>
           </a:p>
@@ -18015,7 +18029,7 @@
                 <a:ea typeface="+mn-lt"/>
                 <a:cs typeface="+mn-lt"/>
               </a:rPr>
-              <a:t>Scrapping</a:t>
+              <a:t>Scraping</a:t>
             </a:r>
             <a:endParaRPr lang="pt-PT" dirty="0" err="1"/>
           </a:p>
@@ -19084,7 +19098,7 @@
                 <a:ea typeface="+mn-lt"/>
                 <a:cs typeface="+mn-lt"/>
               </a:rPr>
-              <a:t>Scrapping</a:t>
+              <a:t>Scraping</a:t>
             </a:r>
             <a:endParaRPr lang="pt-PT" dirty="0" err="1"/>
           </a:p>
@@ -20281,7 +20295,7 @@
                 <a:ea typeface="+mn-lt"/>
                 <a:cs typeface="+mn-lt"/>
               </a:rPr>
-              <a:t>Scrapping</a:t>
+              <a:t>Scraping</a:t>
             </a:r>
             <a:endParaRPr lang="pt-PT" dirty="0" err="1"/>
           </a:p>
@@ -21842,7 +21856,7 @@
                 <a:ea typeface="+mn-lt"/>
                 <a:cs typeface="+mn-lt"/>
               </a:rPr>
-              <a:t>Scrapping</a:t>
+              <a:t>Scraping</a:t>
             </a:r>
             <a:endParaRPr lang="pt-PT" dirty="0" err="1"/>
           </a:p>
@@ -23086,7 +23100,7 @@
                 <a:ea typeface="+mn-lt"/>
                 <a:cs typeface="+mn-lt"/>
               </a:rPr>
-              <a:t>Scrapping</a:t>
+              <a:t>Scraping</a:t>
             </a:r>
             <a:endParaRPr lang="pt-PT" dirty="0" err="1"/>
           </a:p>
@@ -25126,7 +25140,7 @@
                 <a:ea typeface="+mn-lt"/>
                 <a:cs typeface="+mn-lt"/>
               </a:rPr>
-              <a:t>Scrapping</a:t>
+              <a:t>Scraping</a:t>
             </a:r>
             <a:endParaRPr lang="pt-PT" dirty="0" err="1"/>
           </a:p>
@@ -26230,7 +26244,7 @@
                 <a:ea typeface="+mn-lt"/>
                 <a:cs typeface="+mn-lt"/>
               </a:rPr>
-              <a:t>Scrapping</a:t>
+              <a:t>Scraping</a:t>
             </a:r>
             <a:endParaRPr lang="pt-PT" dirty="0" err="1"/>
           </a:p>
@@ -27887,7 +27901,7 @@
                 <a:ea typeface="+mn-lt"/>
                 <a:cs typeface="+mn-lt"/>
               </a:rPr>
-              <a:t>Scrapping</a:t>
+              <a:t>Scraping</a:t>
             </a:r>
             <a:endParaRPr lang="pt-PT" dirty="0" err="1"/>
           </a:p>
@@ -28744,7 +28758,7 @@
                 <a:ea typeface="+mn-lt"/>
                 <a:cs typeface="+mn-lt"/>
               </a:rPr>
-              <a:t>Scrapping</a:t>
+              <a:t>Scraping</a:t>
             </a:r>
             <a:endParaRPr lang="pt-PT" dirty="0" err="1"/>
           </a:p>
@@ -29731,7 +29745,7 @@
                 <a:ea typeface="+mn-lt"/>
                 <a:cs typeface="+mn-lt"/>
               </a:rPr>
-              <a:t>Scrapping</a:t>
+              <a:t>Scraping</a:t>
             </a:r>
             <a:endParaRPr lang="pt-PT" dirty="0" err="1"/>
           </a:p>
@@ -30872,7 +30886,7 @@
                 <a:ea typeface="+mn-lt"/>
                 <a:cs typeface="+mn-lt"/>
               </a:rPr>
-              <a:t>Scrapping</a:t>
+              <a:t>Scraping</a:t>
             </a:r>
             <a:endParaRPr lang="pt-PT" dirty="0" err="1"/>
           </a:p>
@@ -31845,7 +31859,7 @@
                 <a:ea typeface="+mn-lt"/>
                 <a:cs typeface="+mn-lt"/>
               </a:rPr>
-              <a:t>Scrapping</a:t>
+              <a:t>Scraping</a:t>
             </a:r>
             <a:endParaRPr lang="pt-PT" dirty="0" err="1"/>
           </a:p>
@@ -32825,7 +32839,7 @@
                 <a:ea typeface="+mn-lt"/>
                 <a:cs typeface="+mn-lt"/>
               </a:rPr>
-              <a:t>Scrapping</a:t>
+              <a:t>Scraping</a:t>
             </a:r>
             <a:endParaRPr lang="pt-PT" dirty="0" err="1"/>
           </a:p>
@@ -34033,7 +34047,7 @@
                 <a:ea typeface="+mn-lt"/>
                 <a:cs typeface="+mn-lt"/>
               </a:rPr>
-              <a:t>Scrapping</a:t>
+              <a:t>Scraping</a:t>
             </a:r>
             <a:endParaRPr lang="pt-PT" dirty="0" err="1"/>
           </a:p>
@@ -34955,7 +34969,7 @@
                 <a:ea typeface="+mn-lt"/>
                 <a:cs typeface="+mn-lt"/>
               </a:rPr>
-              <a:t>Scrapping</a:t>
+              <a:t>Scraping</a:t>
             </a:r>
             <a:endParaRPr lang="pt-PT" dirty="0" err="1"/>
           </a:p>
